--- a/docs/specification/figures.pptx
+++ b/docs/specification/figures.pptx
@@ -291,7 +291,7 @@
           <a:p>
             <a:fld id="{71E651F2-A8D9-1A4D-BB4D-E70F90CCEC88}" type="datetimeFigureOut">
               <a:rPr lang="en-US" smtClean="0"/>
-              <a:t>2/15/17</a:t>
+              <a:t>2/20/17</a:t>
             </a:fld>
             <a:endParaRPr lang="en-US"/>
           </a:p>
@@ -461,7 +461,7 @@
           <a:p>
             <a:fld id="{71E651F2-A8D9-1A4D-BB4D-E70F90CCEC88}" type="datetimeFigureOut">
               <a:rPr lang="en-US" smtClean="0"/>
-              <a:t>2/15/17</a:t>
+              <a:t>2/20/17</a:t>
             </a:fld>
             <a:endParaRPr lang="en-US"/>
           </a:p>
@@ -641,7 +641,7 @@
           <a:p>
             <a:fld id="{71E651F2-A8D9-1A4D-BB4D-E70F90CCEC88}" type="datetimeFigureOut">
               <a:rPr lang="en-US" smtClean="0"/>
-              <a:t>2/15/17</a:t>
+              <a:t>2/20/17</a:t>
             </a:fld>
             <a:endParaRPr lang="en-US"/>
           </a:p>
@@ -811,7 +811,7 @@
           <a:p>
             <a:fld id="{71E651F2-A8D9-1A4D-BB4D-E70F90CCEC88}" type="datetimeFigureOut">
               <a:rPr lang="en-US" smtClean="0"/>
-              <a:t>2/15/17</a:t>
+              <a:t>2/20/17</a:t>
             </a:fld>
             <a:endParaRPr lang="en-US"/>
           </a:p>
@@ -1057,7 +1057,7 @@
           <a:p>
             <a:fld id="{71E651F2-A8D9-1A4D-BB4D-E70F90CCEC88}" type="datetimeFigureOut">
               <a:rPr lang="en-US" smtClean="0"/>
-              <a:t>2/15/17</a:t>
+              <a:t>2/20/17</a:t>
             </a:fld>
             <a:endParaRPr lang="en-US"/>
           </a:p>
@@ -1345,7 +1345,7 @@
           <a:p>
             <a:fld id="{71E651F2-A8D9-1A4D-BB4D-E70F90CCEC88}" type="datetimeFigureOut">
               <a:rPr lang="en-US" smtClean="0"/>
-              <a:t>2/15/17</a:t>
+              <a:t>2/20/17</a:t>
             </a:fld>
             <a:endParaRPr lang="en-US"/>
           </a:p>
@@ -1767,7 +1767,7 @@
           <a:p>
             <a:fld id="{71E651F2-A8D9-1A4D-BB4D-E70F90CCEC88}" type="datetimeFigureOut">
               <a:rPr lang="en-US" smtClean="0"/>
-              <a:t>2/15/17</a:t>
+              <a:t>2/20/17</a:t>
             </a:fld>
             <a:endParaRPr lang="en-US"/>
           </a:p>
@@ -1885,7 +1885,7 @@
           <a:p>
             <a:fld id="{71E651F2-A8D9-1A4D-BB4D-E70F90CCEC88}" type="datetimeFigureOut">
               <a:rPr lang="en-US" smtClean="0"/>
-              <a:t>2/15/17</a:t>
+              <a:t>2/20/17</a:t>
             </a:fld>
             <a:endParaRPr lang="en-US"/>
           </a:p>
@@ -1980,7 +1980,7 @@
           <a:p>
             <a:fld id="{71E651F2-A8D9-1A4D-BB4D-E70F90CCEC88}" type="datetimeFigureOut">
               <a:rPr lang="en-US" smtClean="0"/>
-              <a:t>2/15/17</a:t>
+              <a:t>2/20/17</a:t>
             </a:fld>
             <a:endParaRPr lang="en-US"/>
           </a:p>
@@ -2257,7 +2257,7 @@
           <a:p>
             <a:fld id="{71E651F2-A8D9-1A4D-BB4D-E70F90CCEC88}" type="datetimeFigureOut">
               <a:rPr lang="en-US" smtClean="0"/>
-              <a:t>2/15/17</a:t>
+              <a:t>2/20/17</a:t>
             </a:fld>
             <a:endParaRPr lang="en-US"/>
           </a:p>
@@ -2510,7 +2510,7 @@
           <a:p>
             <a:fld id="{71E651F2-A8D9-1A4D-BB4D-E70F90CCEC88}" type="datetimeFigureOut">
               <a:rPr lang="en-US" smtClean="0"/>
-              <a:t>2/15/17</a:t>
+              <a:t>2/20/17</a:t>
             </a:fld>
             <a:endParaRPr lang="en-US"/>
           </a:p>
@@ -2723,7 +2723,7 @@
           <a:p>
             <a:fld id="{71E651F2-A8D9-1A4D-BB4D-E70F90CCEC88}" type="datetimeFigureOut">
               <a:rPr lang="en-US" smtClean="0"/>
-              <a:t>2/15/17</a:t>
+              <a:t>2/20/17</a:t>
             </a:fld>
             <a:endParaRPr lang="en-US"/>
           </a:p>
@@ -4255,6 +4255,80 @@
                 </a:schemeClr>
               </a:solidFill>
             </a:endParaRPr>
+          </a:p>
+        </p:txBody>
+      </p:sp>
+      <p:sp>
+        <p:nvSpPr>
+          <p:cNvPr id="29" name="Rectangle 28"/>
+          <p:cNvSpPr/>
+          <p:nvPr/>
+        </p:nvSpPr>
+        <p:spPr>
+          <a:xfrm>
+            <a:off x="368792" y="269646"/>
+            <a:ext cx="8508508" cy="5407253"/>
+          </a:xfrm>
+          <a:prstGeom prst="rect">
+            <a:avLst/>
+          </a:prstGeom>
+          <a:noFill/>
+          <a:ln>
+            <a:solidFill>
+              <a:schemeClr val="tx1"/>
+            </a:solidFill>
+          </a:ln>
+        </p:spPr>
+        <p:style>
+          <a:lnRef idx="1">
+            <a:schemeClr val="accent1"/>
+          </a:lnRef>
+          <a:fillRef idx="3">
+            <a:schemeClr val="accent1"/>
+          </a:fillRef>
+          <a:effectRef idx="2">
+            <a:schemeClr val="accent1"/>
+          </a:effectRef>
+          <a:fontRef idx="minor">
+            <a:schemeClr val="lt1"/>
+          </a:fontRef>
+        </p:style>
+        <p:txBody>
+          <a:bodyPr rtlCol="0" anchor="ctr"/>
+          <a:lstStyle/>
+          <a:p>
+            <a:pPr algn="ctr"/>
+            <a:endParaRPr lang="en-US"/>
+          </a:p>
+        </p:txBody>
+      </p:sp>
+      <p:sp>
+        <p:nvSpPr>
+          <p:cNvPr id="30" name="TextBox 29"/>
+          <p:cNvSpPr txBox="1"/>
+          <p:nvPr/>
+        </p:nvSpPr>
+        <p:spPr>
+          <a:xfrm>
+            <a:off x="342873" y="230771"/>
+            <a:ext cx="1229478" cy="369332"/>
+          </a:xfrm>
+          <a:prstGeom prst="rect">
+            <a:avLst/>
+          </a:prstGeom>
+          <a:noFill/>
+        </p:spPr>
+        <p:txBody>
+          <a:bodyPr wrap="square" rtlCol="0">
+            <a:spAutoFit/>
+          </a:bodyPr>
+          <a:lstStyle/>
+          <a:p>
+            <a:r>
+              <a:rPr lang="en-US" dirty="0" smtClean="0"/>
+              <a:t>Resource</a:t>
+            </a:r>
+            <a:endParaRPr lang="en-US" dirty="0"/>
           </a:p>
         </p:txBody>
       </p:sp>
